--- a/src/morea/materials/08-functions.pptx
+++ b/src/morea/materials/08-functions.pptx
@@ -10352,12 +10352,12 @@
           <a:lstStyle/>
           <a:p>
             <a:r>
-              <a:rPr lang="en-US" dirty="0"/>
-              <a:t>f</a:t>
-            </a:r>
-            <a:r>
               <a:rPr lang="en-US" dirty="0" smtClean="0"/>
-              <a:t>or &amp; range</a:t>
+              <a:t>The real power </a:t>
+            </a:r>
+            <a:r>
+              <a:rPr lang="en-US" smtClean="0"/>
+              <a:t>of programming</a:t>
             </a:r>
             <a:endParaRPr lang="en-US" dirty="0"/>
           </a:p>
@@ -17563,11 +17563,7 @@
           <a:p>
             <a:r>
               <a:rPr lang="en-US" dirty="0" smtClean="0"/>
-              <a:t>Functions c</a:t>
-            </a:r>
-            <a:r>
-              <a:rPr lang="en-US" dirty="0" smtClean="0"/>
-              <a:t>alling functions</a:t>
+              <a:t>Functions calling functions</a:t>
             </a:r>
             <a:endParaRPr lang="en-US" dirty="0"/>
           </a:p>
@@ -22111,13 +22107,13 @@
   <p:clrMapOvr>
     <a:masterClrMapping/>
   </p:clrMapOvr>
-  <mc:AlternateContent xmlns:mc="http://schemas.openxmlformats.org/markup-compatibility/2006">
-    <mc:Choice xmlns:p14="http://schemas.microsoft.com/office/powerpoint/2010/main" Requires="p14">
+  <mc:AlternateContent xmlns:mc="http://schemas.openxmlformats.org/markup-compatibility/2006" xmlns:p14="http://schemas.microsoft.com/office/powerpoint/2010/main">
+    <mc:Choice Requires="p14">
       <p:transition spd="med" p14:dur="700">
         <p:fade/>
       </p:transition>
     </mc:Choice>
-    <mc:Fallback>
+    <mc:Fallback xmlns="">
       <p:transition xmlns:p14="http://schemas.microsoft.com/office/powerpoint/2010/main" spd="med">
         <p:fade/>
       </p:transition>
@@ -23676,13 +23672,13 @@
   <p:clrMapOvr>
     <a:masterClrMapping/>
   </p:clrMapOvr>
-  <mc:AlternateContent xmlns:mc="http://schemas.openxmlformats.org/markup-compatibility/2006">
-    <mc:Choice xmlns:p14="http://schemas.microsoft.com/office/powerpoint/2010/main" Requires="p14">
+  <mc:AlternateContent xmlns:mc="http://schemas.openxmlformats.org/markup-compatibility/2006" xmlns:p14="http://schemas.microsoft.com/office/powerpoint/2010/main">
+    <mc:Choice Requires="p14">
       <p:transition spd="med" p14:dur="700">
         <p:fade/>
       </p:transition>
     </mc:Choice>
-    <mc:Fallback>
+    <mc:Fallback xmlns="">
       <p:transition xmlns:p14="http://schemas.microsoft.com/office/powerpoint/2010/main" spd="med">
         <p:fade/>
       </p:transition>
@@ -25748,13 +25744,13 @@
   <p:clrMapOvr>
     <a:masterClrMapping/>
   </p:clrMapOvr>
-  <mc:AlternateContent xmlns:mc="http://schemas.openxmlformats.org/markup-compatibility/2006">
-    <mc:Choice xmlns:p14="http://schemas.microsoft.com/office/powerpoint/2010/main" Requires="p14">
+  <mc:AlternateContent xmlns:mc="http://schemas.openxmlformats.org/markup-compatibility/2006" xmlns:p14="http://schemas.microsoft.com/office/powerpoint/2010/main">
+    <mc:Choice Requires="p14">
       <p:transition spd="med" p14:dur="700">
         <p:fade/>
       </p:transition>
     </mc:Choice>
-    <mc:Fallback>
+    <mc:Fallback xmlns="">
       <p:transition xmlns:p14="http://schemas.microsoft.com/office/powerpoint/2010/main" spd="med">
         <p:fade/>
       </p:transition>
@@ -27662,13 +27658,13 @@
   <p:clrMapOvr>
     <a:masterClrMapping/>
   </p:clrMapOvr>
-  <mc:AlternateContent xmlns:mc="http://schemas.openxmlformats.org/markup-compatibility/2006">
-    <mc:Choice xmlns:p14="http://schemas.microsoft.com/office/powerpoint/2010/main" Requires="p14">
+  <mc:AlternateContent xmlns:mc="http://schemas.openxmlformats.org/markup-compatibility/2006" xmlns:p14="http://schemas.microsoft.com/office/powerpoint/2010/main">
+    <mc:Choice Requires="p14">
       <p:transition spd="med" p14:dur="700">
         <p:fade/>
       </p:transition>
     </mc:Choice>
-    <mc:Fallback>
+    <mc:Fallback xmlns="">
       <p:transition xmlns:p14="http://schemas.microsoft.com/office/powerpoint/2010/main" spd="med">
         <p:fade/>
       </p:transition>
@@ -29636,13 +29632,13 @@
   <p:clrMapOvr>
     <a:masterClrMapping/>
   </p:clrMapOvr>
-  <mc:AlternateContent xmlns:mc="http://schemas.openxmlformats.org/markup-compatibility/2006">
-    <mc:Choice xmlns:p14="http://schemas.microsoft.com/office/powerpoint/2010/main" Requires="p14">
+  <mc:AlternateContent xmlns:mc="http://schemas.openxmlformats.org/markup-compatibility/2006" xmlns:p14="http://schemas.microsoft.com/office/powerpoint/2010/main">
+    <mc:Choice Requires="p14">
       <p:transition spd="med" p14:dur="700">
         <p:fade/>
       </p:transition>
     </mc:Choice>
-    <mc:Fallback>
+    <mc:Fallback xmlns="">
       <p:transition xmlns:p14="http://schemas.microsoft.com/office/powerpoint/2010/main" spd="med">
         <p:fade/>
       </p:transition>
@@ -31158,13 +31154,13 @@
   <p:clrMapOvr>
     <a:masterClrMapping/>
   </p:clrMapOvr>
-  <mc:AlternateContent xmlns:mc="http://schemas.openxmlformats.org/markup-compatibility/2006">
-    <mc:Choice xmlns:p14="http://schemas.microsoft.com/office/powerpoint/2010/main" Requires="p14">
+  <mc:AlternateContent xmlns:mc="http://schemas.openxmlformats.org/markup-compatibility/2006" xmlns:p14="http://schemas.microsoft.com/office/powerpoint/2010/main">
+    <mc:Choice Requires="p14">
       <p:transition spd="med" p14:dur="700">
         <p:fade/>
       </p:transition>
     </mc:Choice>
-    <mc:Fallback>
+    <mc:Fallback xmlns="">
       <p:transition xmlns:p14="http://schemas.microsoft.com/office/powerpoint/2010/main" spd="med">
         <p:fade/>
       </p:transition>
@@ -33654,13 +33650,13 @@
   <p:clrMapOvr>
     <a:masterClrMapping/>
   </p:clrMapOvr>
-  <mc:AlternateContent xmlns:mc="http://schemas.openxmlformats.org/markup-compatibility/2006">
-    <mc:Choice xmlns:p14="http://schemas.microsoft.com/office/powerpoint/2010/main" Requires="p14">
+  <mc:AlternateContent xmlns:mc="http://schemas.openxmlformats.org/markup-compatibility/2006" xmlns:p14="http://schemas.microsoft.com/office/powerpoint/2010/main">
+    <mc:Choice Requires="p14">
       <p:transition spd="med" p14:dur="700">
         <p:fade/>
       </p:transition>
     </mc:Choice>
-    <mc:Fallback>
+    <mc:Fallback xmlns="">
       <p:transition xmlns:p14="http://schemas.microsoft.com/office/powerpoint/2010/main" spd="med">
         <p:fade/>
       </p:transition>
@@ -35663,13 +35659,13 @@
   <p:clrMapOvr>
     <a:masterClrMapping/>
   </p:clrMapOvr>
-  <mc:AlternateContent xmlns:mc="http://schemas.openxmlformats.org/markup-compatibility/2006">
-    <mc:Choice xmlns:p14="http://schemas.microsoft.com/office/powerpoint/2010/main" Requires="p14">
+  <mc:AlternateContent xmlns:mc="http://schemas.openxmlformats.org/markup-compatibility/2006" xmlns:p14="http://schemas.microsoft.com/office/powerpoint/2010/main">
+    <mc:Choice Requires="p14">
       <p:transition spd="med" p14:dur="700">
         <p:fade/>
       </p:transition>
     </mc:Choice>
-    <mc:Fallback>
+    <mc:Fallback xmlns="">
       <p:transition xmlns:p14="http://schemas.microsoft.com/office/powerpoint/2010/main" spd="med">
         <p:fade/>
       </p:transition>
@@ -37333,13 +37329,13 @@
   <p:clrMapOvr>
     <a:masterClrMapping/>
   </p:clrMapOvr>
-  <mc:AlternateContent xmlns:mc="http://schemas.openxmlformats.org/markup-compatibility/2006">
-    <mc:Choice xmlns:p14="http://schemas.microsoft.com/office/powerpoint/2010/main" Requires="p14">
+  <mc:AlternateContent xmlns:mc="http://schemas.openxmlformats.org/markup-compatibility/2006" xmlns:p14="http://schemas.microsoft.com/office/powerpoint/2010/main">
+    <mc:Choice Requires="p14">
       <p:transition spd="med" p14:dur="700">
         <p:fade/>
       </p:transition>
     </mc:Choice>
-    <mc:Fallback>
+    <mc:Fallback xmlns="">
       <p:transition xmlns:p14="http://schemas.microsoft.com/office/powerpoint/2010/main" spd="med">
         <p:fade/>
       </p:transition>
@@ -38751,13 +38747,13 @@
   <p:clrMapOvr>
     <a:masterClrMapping/>
   </p:clrMapOvr>
-  <mc:AlternateContent xmlns:mc="http://schemas.openxmlformats.org/markup-compatibility/2006">
-    <mc:Choice xmlns:p14="http://schemas.microsoft.com/office/powerpoint/2010/main" Requires="p14">
+  <mc:AlternateContent xmlns:mc="http://schemas.openxmlformats.org/markup-compatibility/2006" xmlns:p14="http://schemas.microsoft.com/office/powerpoint/2010/main">
+    <mc:Choice Requires="p14">
       <p:transition spd="med" p14:dur="700">
         <p:fade/>
       </p:transition>
     </mc:Choice>
-    <mc:Fallback>
+    <mc:Fallback xmlns="">
       <p:transition xmlns:p14="http://schemas.microsoft.com/office/powerpoint/2010/main" spd="med">
         <p:fade/>
       </p:transition>
@@ -40745,13 +40741,13 @@
   <p:clrMapOvr>
     <a:masterClrMapping/>
   </p:clrMapOvr>
-  <mc:AlternateContent xmlns:mc="http://schemas.openxmlformats.org/markup-compatibility/2006">
-    <mc:Choice xmlns:p14="http://schemas.microsoft.com/office/powerpoint/2010/main" Requires="p14">
+  <mc:AlternateContent xmlns:mc="http://schemas.openxmlformats.org/markup-compatibility/2006" xmlns:p14="http://schemas.microsoft.com/office/powerpoint/2010/main">
+    <mc:Choice Requires="p14">
       <p:transition spd="med" p14:dur="700">
         <p:fade/>
       </p:transition>
     </mc:Choice>
-    <mc:Fallback>
+    <mc:Fallback xmlns="">
       <p:transition xmlns:p14="http://schemas.microsoft.com/office/powerpoint/2010/main" spd="med">
         <p:fade/>
       </p:transition>
@@ -42865,13 +42861,13 @@
   <p:clrMapOvr>
     <a:masterClrMapping/>
   </p:clrMapOvr>
-  <mc:AlternateContent xmlns:mc="http://schemas.openxmlformats.org/markup-compatibility/2006">
-    <mc:Choice xmlns:p14="http://schemas.microsoft.com/office/powerpoint/2010/main" Requires="p14">
+  <mc:AlternateContent xmlns:mc="http://schemas.openxmlformats.org/markup-compatibility/2006" xmlns:p14="http://schemas.microsoft.com/office/powerpoint/2010/main">
+    <mc:Choice Requires="p14">
       <p:transition spd="med" p14:dur="700">
         <p:fade/>
       </p:transition>
     </mc:Choice>
-    <mc:Fallback>
+    <mc:Fallback xmlns="">
       <p:transition xmlns:p14="http://schemas.microsoft.com/office/powerpoint/2010/main" spd="med">
         <p:fade/>
       </p:transition>
@@ -45236,13 +45232,13 @@
   <p:clrMapOvr>
     <a:masterClrMapping/>
   </p:clrMapOvr>
-  <mc:AlternateContent xmlns:mc="http://schemas.openxmlformats.org/markup-compatibility/2006">
-    <mc:Choice xmlns:p14="http://schemas.microsoft.com/office/powerpoint/2010/main" Requires="p14">
+  <mc:AlternateContent xmlns:mc="http://schemas.openxmlformats.org/markup-compatibility/2006" xmlns:p14="http://schemas.microsoft.com/office/powerpoint/2010/main">
+    <mc:Choice Requires="p14">
       <p:transition spd="med" p14:dur="700">
         <p:fade/>
       </p:transition>
     </mc:Choice>
-    <mc:Fallback>
+    <mc:Fallback xmlns="">
       <p:transition xmlns:p14="http://schemas.microsoft.com/office/powerpoint/2010/main" spd="med">
         <p:fade/>
       </p:transition>
@@ -45386,11 +45382,7 @@
           <a:p>
             <a:r>
               <a:rPr lang="en-US" dirty="0" smtClean="0"/>
-              <a:t>Calling </a:t>
-            </a:r>
-            <a:r>
-              <a:rPr lang="en-US" dirty="0" smtClean="0"/>
-              <a:t>functions</a:t>
+              <a:t>Calling functions</a:t>
             </a:r>
             <a:endParaRPr lang="en-US" dirty="0"/>
           </a:p>
@@ -45736,11 +45728,7 @@
           <a:p>
             <a:r>
               <a:rPr lang="en-US" dirty="0" smtClean="0"/>
-              <a:t>Defining your </a:t>
-            </a:r>
-            <a:r>
-              <a:rPr lang="en-US" dirty="0" smtClean="0"/>
-              <a:t>own functions</a:t>
+              <a:t>Defining your own functions</a:t>
             </a:r>
             <a:endParaRPr lang="en-US" dirty="0"/>
           </a:p>
@@ -47533,11 +47521,11 @@
   <p:clrMapOvr>
     <a:masterClrMapping/>
   </p:clrMapOvr>
-  <mc:AlternateContent xmlns:mc="http://schemas.openxmlformats.org/markup-compatibility/2006">
-    <mc:Choice xmlns:p14="http://schemas.microsoft.com/office/powerpoint/2010/main" Requires="p14">
+  <mc:AlternateContent xmlns:mc="http://schemas.openxmlformats.org/markup-compatibility/2006" xmlns:p14="http://schemas.microsoft.com/office/powerpoint/2010/main">
+    <mc:Choice Requires="p14">
       <p:transition spd="slow" p14:dur="2000"/>
     </mc:Choice>
-    <mc:Fallback>
+    <mc:Fallback xmlns="">
       <p:transition xmlns:p14="http://schemas.microsoft.com/office/powerpoint/2010/main" spd="slow"/>
     </mc:Fallback>
   </mc:AlternateContent>

--- a/src/morea/materials/08-functions.pptx
+++ b/src/morea/materials/08-functions.pptx
@@ -6884,16 +6884,12 @@
           <a:lstStyle/>
           <a:p>
             <a:r>
+              <a:rPr lang="en-US" smtClean="0"/>
+              <a:t>Start here  </a:t>
+            </a:r>
+            <a:r>
               <a:rPr lang="en-US" dirty="0" smtClean="0"/>
-              <a:t>Favor: submit something</a:t>
-            </a:r>
-            <a:r>
-              <a:rPr lang="en-US" baseline="0" dirty="0" smtClean="0"/>
-              <a:t> to HW 1 assignment so I </a:t>
-            </a:r>
-            <a:r>
-              <a:rPr lang="en-US" baseline="0" smtClean="0"/>
-              <a:t>can grade</a:t>
+              <a:t>2/23</a:t>
             </a:r>
             <a:endParaRPr lang="en-US" dirty="0"/>
           </a:p>

--- a/src/morea/materials/08-functions.pptx
+++ b/src/morea/materials/08-functions.pptx
@@ -45306,12 +45306,16 @@
           <a:lstStyle/>
           <a:p>
             <a:r>
+              <a:rPr lang="en-US" dirty="0" err="1"/>
+              <a:t>f</a:t>
+            </a:r>
+            <a:r>
               <a:rPr lang="en-US" dirty="0" err="1" smtClean="0"/>
-              <a:t>add.py</a:t>
+              <a:t>low.py</a:t>
             </a:r>
             <a:r>
               <a:rPr lang="en-US" dirty="0" smtClean="0"/>
-              <a:t>: write multiply function</a:t>
+              <a:t>: h(4)</a:t>
             </a:r>
             <a:endParaRPr lang="en-US" dirty="0"/>
           </a:p>
@@ -45327,6 +45331,14 @@
   <p:clrMapOvr>
     <a:masterClrMapping/>
   </p:clrMapOvr>
+  <mc:AlternateContent xmlns:mc="http://schemas.openxmlformats.org/markup-compatibility/2006">
+    <mc:Choice xmlns:p14="http://schemas.microsoft.com/office/powerpoint/2010/main" Requires="p14">
+      <p:transition spd="slow" p14:dur="2000"/>
+    </mc:Choice>
+    <mc:Fallback>
+      <p:transition xmlns:p14="http://schemas.microsoft.com/office/powerpoint/2010/main" spd="slow"/>
+    </mc:Fallback>
+  </mc:AlternateContent>
   <p:timing>
     <p:tnLst>
       <p:par>
